--- a/Buffer Overflow.pptx
+++ b/Buffer Overflow.pptx
@@ -6,6 +6,13 @@
   </p:sldMasterIdLst>
   <p:sldIdLst>
     <p:sldId id="256" r:id="rId2"/>
+    <p:sldId id="257" r:id="rId3"/>
+    <p:sldId id="259" r:id="rId4"/>
+    <p:sldId id="260" r:id="rId5"/>
+    <p:sldId id="261" r:id="rId6"/>
+    <p:sldId id="262" r:id="rId7"/>
+    <p:sldId id="263" r:id="rId8"/>
+    <p:sldId id="258" r:id="rId9"/>
   </p:sldIdLst>
   <p:sldSz cx="12192000" cy="6858000"/>
   <p:notesSz cx="6858000" cy="9144000"/>
@@ -104,6 +111,11 @@
       </a:defRPr>
     </a:lvl9pPr>
   </p:defaultTextStyle>
+  <p:extLst>
+    <p:ext uri="{EFAFB233-063F-42B5-8137-9DF3F51BA10A}">
+      <p15:sldGuideLst xmlns:p15="http://schemas.microsoft.com/office/powerpoint/2012/main"/>
+    </p:ext>
+  </p:extLst>
 </p:presentation>
 </file>
 
@@ -293,7 +305,7 @@
           <a:p>
             <a:fld id="{4AAD347D-5ACD-4C99-B74B-A9C85AD731AF}" type="datetimeFigureOut">
               <a:rPr lang="en-US" dirty="0"/>
-              <a:t>8/8/2018</a:t>
+              <a:t>8/9/2018</a:t>
             </a:fld>
             <a:endParaRPr lang="en-US" dirty="0"/>
           </a:p>
@@ -563,7 +575,7 @@
           <a:p>
             <a:fld id="{4509A250-FF31-4206-8172-F9D3106AACB1}" type="datetimeFigureOut">
               <a:rPr lang="en-US" dirty="0"/>
-              <a:t>8/8/2018</a:t>
+              <a:t>8/9/2018</a:t>
             </a:fld>
             <a:endParaRPr lang="en-US" dirty="0"/>
           </a:p>
@@ -752,7 +764,7 @@
           <a:p>
             <a:fld id="{4509A250-FF31-4206-8172-F9D3106AACB1}" type="datetimeFigureOut">
               <a:rPr lang="en-US" dirty="0"/>
-              <a:t>8/8/2018</a:t>
+              <a:t>8/9/2018</a:t>
             </a:fld>
             <a:endParaRPr lang="en-US" dirty="0"/>
           </a:p>
@@ -1020,7 +1032,7 @@
           <a:p>
             <a:fld id="{4509A250-FF31-4206-8172-F9D3106AACB1}" type="datetimeFigureOut">
               <a:rPr lang="en-US" dirty="0"/>
-              <a:t>8/8/2018</a:t>
+              <a:t>8/9/2018</a:t>
             </a:fld>
             <a:endParaRPr lang="en-US" dirty="0"/>
           </a:p>
@@ -1356,7 +1368,7 @@
           <a:p>
             <a:fld id="{4509A250-FF31-4206-8172-F9D3106AACB1}" type="datetimeFigureOut">
               <a:rPr lang="en-US" dirty="0"/>
-              <a:t>8/8/2018</a:t>
+              <a:t>8/9/2018</a:t>
             </a:fld>
             <a:endParaRPr lang="en-US" dirty="0"/>
           </a:p>
@@ -1974,7 +1986,7 @@
           <a:p>
             <a:fld id="{4509A250-FF31-4206-8172-F9D3106AACB1}" type="datetimeFigureOut">
               <a:rPr lang="en-US" dirty="0"/>
-              <a:t>8/8/2018</a:t>
+              <a:t>8/9/2018</a:t>
             </a:fld>
             <a:endParaRPr lang="en-US" dirty="0"/>
           </a:p>
@@ -2829,7 +2841,7 @@
           <a:p>
             <a:fld id="{4509A250-FF31-4206-8172-F9D3106AACB1}" type="datetimeFigureOut">
               <a:rPr lang="en-US" dirty="0"/>
-              <a:t>8/8/2018</a:t>
+              <a:t>8/9/2018</a:t>
             </a:fld>
             <a:endParaRPr lang="en-US" dirty="0"/>
           </a:p>
@@ -2994,7 +3006,7 @@
           <a:p>
             <a:fld id="{4509A250-FF31-4206-8172-F9D3106AACB1}" type="datetimeFigureOut">
               <a:rPr lang="en-US" dirty="0"/>
-              <a:t>8/8/2018</a:t>
+              <a:t>8/9/2018</a:t>
             </a:fld>
             <a:endParaRPr lang="en-US" dirty="0"/>
           </a:p>
@@ -3169,7 +3181,7 @@
           <a:p>
             <a:fld id="{4509A250-FF31-4206-8172-F9D3106AACB1}" type="datetimeFigureOut">
               <a:rPr lang="en-US" dirty="0"/>
-              <a:t>8/8/2018</a:t>
+              <a:t>8/9/2018</a:t>
             </a:fld>
             <a:endParaRPr lang="en-US" dirty="0"/>
           </a:p>
@@ -3334,7 +3346,7 @@
           <a:p>
             <a:fld id="{4509A250-FF31-4206-8172-F9D3106AACB1}" type="datetimeFigureOut">
               <a:rPr lang="en-US" dirty="0"/>
-              <a:t>8/8/2018</a:t>
+              <a:t>8/9/2018</a:t>
             </a:fld>
             <a:endParaRPr lang="en-US" dirty="0"/>
           </a:p>
@@ -3576,7 +3588,7 @@
           <a:p>
             <a:fld id="{9796027F-7875-4030-9381-8BD8C4F21935}" type="datetimeFigureOut">
               <a:rPr lang="en-US" dirty="0"/>
-              <a:t>8/8/2018</a:t>
+              <a:t>8/9/2018</a:t>
             </a:fld>
             <a:endParaRPr lang="en-US" dirty="0"/>
           </a:p>
@@ -3863,7 +3875,7 @@
           <a:p>
             <a:fld id="{9796027F-7875-4030-9381-8BD8C4F21935}" type="datetimeFigureOut">
               <a:rPr lang="en-US" dirty="0"/>
-              <a:t>8/8/2018</a:t>
+              <a:t>8/9/2018</a:t>
             </a:fld>
             <a:endParaRPr lang="en-US" dirty="0"/>
           </a:p>
@@ -4302,7 +4314,7 @@
           <a:p>
             <a:fld id="{9796027F-7875-4030-9381-8BD8C4F21935}" type="datetimeFigureOut">
               <a:rPr lang="en-US" dirty="0"/>
-              <a:t>8/8/2018</a:t>
+              <a:t>8/9/2018</a:t>
             </a:fld>
             <a:endParaRPr lang="en-US" dirty="0"/>
           </a:p>
@@ -4415,7 +4427,7 @@
           <a:p>
             <a:fld id="{4509A250-FF31-4206-8172-F9D3106AACB1}" type="datetimeFigureOut">
               <a:rPr lang="en-US" dirty="0"/>
-              <a:t>8/8/2018</a:t>
+              <a:t>8/9/2018</a:t>
             </a:fld>
             <a:endParaRPr lang="en-US" dirty="0"/>
           </a:p>
@@ -4505,7 +4517,7 @@
           <a:p>
             <a:fld id="{4509A250-FF31-4206-8172-F9D3106AACB1}" type="datetimeFigureOut">
               <a:rPr lang="en-US" dirty="0"/>
-              <a:t>8/8/2018</a:t>
+              <a:t>8/9/2018</a:t>
             </a:fld>
             <a:endParaRPr lang="en-US" dirty="0"/>
           </a:p>
@@ -4779,7 +4791,7 @@
           <a:p>
             <a:fld id="{4509A250-FF31-4206-8172-F9D3106AACB1}" type="datetimeFigureOut">
               <a:rPr lang="en-US" dirty="0"/>
-              <a:t>8/8/2018</a:t>
+              <a:t>8/9/2018</a:t>
             </a:fld>
             <a:endParaRPr lang="en-US" dirty="0"/>
           </a:p>
@@ -5049,7 +5061,7 @@
           <a:p>
             <a:fld id="{4509A250-FF31-4206-8172-F9D3106AACB1}" type="datetimeFigureOut">
               <a:rPr lang="en-US" dirty="0"/>
-              <a:t>8/8/2018</a:t>
+              <a:t>8/9/2018</a:t>
             </a:fld>
             <a:endParaRPr lang="en-US" dirty="0"/>
           </a:p>
@@ -5503,7 +5515,7 @@
           <a:p>
             <a:fld id="{4AAD347D-5ACD-4C99-B74B-A9C85AD731AF}" type="datetimeFigureOut">
               <a:rPr lang="en-US" dirty="0"/>
-              <a:t>8/8/2018</a:t>
+              <a:t>8/9/2018</a:t>
             </a:fld>
             <a:endParaRPr lang="en-US" dirty="0"/>
           </a:p>
@@ -6090,6 +6102,936 @@
 </p:sld>
 </file>
 
+<file path=ppt/slides/slide2.xml><?xml version="1.0" encoding="utf-8"?>
+<p:sld xmlns:a="http://schemas.openxmlformats.org/drawingml/2006/main" xmlns:r="http://schemas.openxmlformats.org/officeDocument/2006/relationships" xmlns:p="http://schemas.openxmlformats.org/presentationml/2006/main">
+  <p:cSld>
+    <p:spTree>
+      <p:nvGrpSpPr>
+        <p:cNvPr id="1" name=""/>
+        <p:cNvGrpSpPr/>
+        <p:nvPr/>
+      </p:nvGrpSpPr>
+      <p:grpSpPr>
+        <a:xfrm>
+          <a:off x="0" y="0"/>
+          <a:ext cx="0" cy="0"/>
+          <a:chOff x="0" y="0"/>
+          <a:chExt cx="0" cy="0"/>
+        </a:xfrm>
+      </p:grpSpPr>
+      <p:sp>
+        <p:nvSpPr>
+          <p:cNvPr id="2" name="Título 1"/>
+          <p:cNvSpPr>
+            <a:spLocks noGrp="1"/>
+          </p:cNvSpPr>
+          <p:nvPr>
+            <p:ph type="title"/>
+          </p:nvPr>
+        </p:nvSpPr>
+        <p:spPr/>
+        <p:txBody>
+          <a:bodyPr/>
+          <a:lstStyle/>
+          <a:p>
+            <a:r>
+              <a:rPr lang="pt-BR" dirty="0" smtClean="0"/>
+              <a:t>Quero acompanhar!!!</a:t>
+            </a:r>
+            <a:endParaRPr lang="pt-BR" dirty="0"/>
+          </a:p>
+        </p:txBody>
+      </p:sp>
+      <p:sp>
+        <p:nvSpPr>
+          <p:cNvPr id="3" name="Espaço Reservado para Conteúdo 2"/>
+          <p:cNvSpPr>
+            <a:spLocks noGrp="1"/>
+          </p:cNvSpPr>
+          <p:nvPr>
+            <p:ph idx="1"/>
+          </p:nvPr>
+        </p:nvSpPr>
+        <p:spPr>
+          <a:xfrm>
+            <a:off x="646111" y="2052918"/>
+            <a:ext cx="11273457" cy="4195481"/>
+          </a:xfrm>
+        </p:spPr>
+        <p:txBody>
+          <a:bodyPr>
+            <a:normAutofit/>
+          </a:bodyPr>
+          <a:lstStyle/>
+          <a:p>
+            <a:r>
+              <a:rPr lang="pt-BR" sz="3200" dirty="0"/>
+              <a:t>https://github.com/helviojunior/live_bufferoverflow.git</a:t>
+            </a:r>
+          </a:p>
+        </p:txBody>
+      </p:sp>
+    </p:spTree>
+    <p:extLst>
+      <p:ext uri="{BB962C8B-B14F-4D97-AF65-F5344CB8AC3E}">
+        <p14:creationId xmlns:p14="http://schemas.microsoft.com/office/powerpoint/2010/main" val="2589873095"/>
+      </p:ext>
+    </p:extLst>
+  </p:cSld>
+  <p:clrMapOvr>
+    <a:masterClrMapping/>
+  </p:clrMapOvr>
+</p:sld>
+</file>
+
+<file path=ppt/slides/slide3.xml><?xml version="1.0" encoding="utf-8"?>
+<p:sld xmlns:a="http://schemas.openxmlformats.org/drawingml/2006/main" xmlns:r="http://schemas.openxmlformats.org/officeDocument/2006/relationships" xmlns:p="http://schemas.openxmlformats.org/presentationml/2006/main">
+  <p:cSld>
+    <p:spTree>
+      <p:nvGrpSpPr>
+        <p:cNvPr id="1" name=""/>
+        <p:cNvGrpSpPr/>
+        <p:nvPr/>
+      </p:nvGrpSpPr>
+      <p:grpSpPr>
+        <a:xfrm>
+          <a:off x="0" y="0"/>
+          <a:ext cx="0" cy="0"/>
+          <a:chOff x="0" y="0"/>
+          <a:chExt cx="0" cy="0"/>
+        </a:xfrm>
+      </p:grpSpPr>
+      <p:sp>
+        <p:nvSpPr>
+          <p:cNvPr id="2" name="Título 1"/>
+          <p:cNvSpPr>
+            <a:spLocks noGrp="1"/>
+          </p:cNvSpPr>
+          <p:nvPr>
+            <p:ph type="title"/>
+          </p:nvPr>
+        </p:nvSpPr>
+        <p:spPr/>
+        <p:txBody>
+          <a:bodyPr/>
+          <a:lstStyle/>
+          <a:p>
+            <a:r>
+              <a:rPr lang="pt-BR" dirty="0" smtClean="0"/>
+              <a:t>O que é Buffer Overflow?</a:t>
+            </a:r>
+            <a:endParaRPr lang="pt-BR" dirty="0"/>
+          </a:p>
+        </p:txBody>
+      </p:sp>
+      <p:sp>
+        <p:nvSpPr>
+          <p:cNvPr id="3" name="Espaço Reservado para Conteúdo 2"/>
+          <p:cNvSpPr>
+            <a:spLocks noGrp="1"/>
+          </p:cNvSpPr>
+          <p:nvPr>
+            <p:ph idx="1"/>
+          </p:nvPr>
+        </p:nvSpPr>
+        <p:spPr/>
+        <p:txBody>
+          <a:bodyPr/>
+          <a:lstStyle/>
+          <a:p>
+            <a:r>
+              <a:rPr lang="pt-BR" dirty="0" smtClean="0"/>
+              <a:t>Buffer?</a:t>
+            </a:r>
+          </a:p>
+          <a:p>
+            <a:pPr lvl="1"/>
+            <a:r>
+              <a:rPr lang="pt-BR" dirty="0"/>
+              <a:t>Espaço designado para que um aplicativo armazene, em memória, uma informação a ser </a:t>
+            </a:r>
+            <a:r>
+              <a:rPr lang="pt-BR" dirty="0" smtClean="0"/>
+              <a:t>processada</a:t>
+            </a:r>
+          </a:p>
+          <a:p>
+            <a:r>
+              <a:rPr lang="pt-BR" dirty="0" smtClean="0"/>
+              <a:t>Extrapolar o buffer </a:t>
+            </a:r>
+            <a:endParaRPr lang="pt-BR" dirty="0"/>
+          </a:p>
+        </p:txBody>
+      </p:sp>
+    </p:spTree>
+    <p:extLst>
+      <p:ext uri="{BB962C8B-B14F-4D97-AF65-F5344CB8AC3E}">
+        <p14:creationId xmlns:p14="http://schemas.microsoft.com/office/powerpoint/2010/main" val="2849636571"/>
+      </p:ext>
+    </p:extLst>
+  </p:cSld>
+  <p:clrMapOvr>
+    <a:masterClrMapping/>
+  </p:clrMapOvr>
+</p:sld>
+</file>
+
+<file path=ppt/slides/slide4.xml><?xml version="1.0" encoding="utf-8"?>
+<p:sld xmlns:a="http://schemas.openxmlformats.org/drawingml/2006/main" xmlns:r="http://schemas.openxmlformats.org/officeDocument/2006/relationships" xmlns:p="http://schemas.openxmlformats.org/presentationml/2006/main">
+  <p:cSld>
+    <p:spTree>
+      <p:nvGrpSpPr>
+        <p:cNvPr id="1" name=""/>
+        <p:cNvGrpSpPr/>
+        <p:nvPr/>
+      </p:nvGrpSpPr>
+      <p:grpSpPr>
+        <a:xfrm>
+          <a:off x="0" y="0"/>
+          <a:ext cx="0" cy="0"/>
+          <a:chOff x="0" y="0"/>
+          <a:chExt cx="0" cy="0"/>
+        </a:xfrm>
+      </p:grpSpPr>
+      <p:sp>
+        <p:nvSpPr>
+          <p:cNvPr id="2" name="Título 1"/>
+          <p:cNvSpPr>
+            <a:spLocks noGrp="1"/>
+          </p:cNvSpPr>
+          <p:nvPr>
+            <p:ph type="title"/>
+          </p:nvPr>
+        </p:nvSpPr>
+        <p:spPr/>
+        <p:txBody>
+          <a:bodyPr/>
+          <a:lstStyle/>
+          <a:p>
+            <a:r>
+              <a:rPr lang="pt-BR" dirty="0"/>
+              <a:t>P</a:t>
+            </a:r>
+            <a:r>
+              <a:rPr lang="pt-BR" dirty="0" smtClean="0"/>
+              <a:t>or que acontece?</a:t>
+            </a:r>
+            <a:endParaRPr lang="pt-BR" dirty="0"/>
+          </a:p>
+        </p:txBody>
+      </p:sp>
+      <p:pic>
+        <p:nvPicPr>
+          <p:cNvPr id="4" name="Espaço Reservado para Conteúdo 3"/>
+          <p:cNvPicPr>
+            <a:picLocks noGrp="1" noChangeAspect="1"/>
+          </p:cNvPicPr>
+          <p:nvPr>
+            <p:ph idx="1"/>
+          </p:nvPr>
+        </p:nvPicPr>
+        <p:blipFill>
+          <a:blip r:embed="rId2">
+            <a:extLst>
+              <a:ext uri="{28A0092B-C50C-407E-A947-70E740481C1C}">
+                <a14:useLocalDpi xmlns:a14="http://schemas.microsoft.com/office/drawing/2010/main" val="0"/>
+              </a:ext>
+            </a:extLst>
+          </a:blip>
+          <a:stretch>
+            <a:fillRect/>
+          </a:stretch>
+        </p:blipFill>
+        <p:spPr>
+          <a:xfrm>
+            <a:off x="0" y="1366957"/>
+            <a:ext cx="12192000" cy="5930855"/>
+          </a:xfrm>
+        </p:spPr>
+      </p:pic>
+    </p:spTree>
+    <p:extLst>
+      <p:ext uri="{BB962C8B-B14F-4D97-AF65-F5344CB8AC3E}">
+        <p14:creationId xmlns:p14="http://schemas.microsoft.com/office/powerpoint/2010/main" val="423423568"/>
+      </p:ext>
+    </p:extLst>
+  </p:cSld>
+  <p:clrMapOvr>
+    <a:masterClrMapping/>
+  </p:clrMapOvr>
+</p:sld>
+</file>
+
+<file path=ppt/slides/slide5.xml><?xml version="1.0" encoding="utf-8"?>
+<p:sld xmlns:a="http://schemas.openxmlformats.org/drawingml/2006/main" xmlns:r="http://schemas.openxmlformats.org/officeDocument/2006/relationships" xmlns:p="http://schemas.openxmlformats.org/presentationml/2006/main">
+  <p:cSld>
+    <p:spTree>
+      <p:nvGrpSpPr>
+        <p:cNvPr id="1" name=""/>
+        <p:cNvGrpSpPr/>
+        <p:nvPr/>
+      </p:nvGrpSpPr>
+      <p:grpSpPr>
+        <a:xfrm>
+          <a:off x="0" y="0"/>
+          <a:ext cx="0" cy="0"/>
+          <a:chOff x="0" y="0"/>
+          <a:chExt cx="0" cy="0"/>
+        </a:xfrm>
+      </p:grpSpPr>
+      <p:sp>
+        <p:nvSpPr>
+          <p:cNvPr id="2" name="Título 1"/>
+          <p:cNvSpPr>
+            <a:spLocks noGrp="1"/>
+          </p:cNvSpPr>
+          <p:nvPr>
+            <p:ph type="title"/>
+          </p:nvPr>
+        </p:nvSpPr>
+        <p:spPr/>
+        <p:txBody>
+          <a:bodyPr/>
+          <a:lstStyle/>
+          <a:p>
+            <a:r>
+              <a:rPr lang="pt-BR" dirty="0" smtClean="0"/>
+              <a:t>Chega de </a:t>
+            </a:r>
+            <a:r>
+              <a:rPr lang="pt-BR" dirty="0" err="1" smtClean="0"/>
+              <a:t>bla</a:t>
+            </a:r>
+            <a:r>
+              <a:rPr lang="pt-BR" dirty="0" smtClean="0"/>
+              <a:t>, </a:t>
+            </a:r>
+            <a:r>
+              <a:rPr lang="pt-BR" dirty="0" err="1" smtClean="0"/>
+              <a:t>bla</a:t>
+            </a:r>
+            <a:r>
+              <a:rPr lang="pt-BR" dirty="0" smtClean="0"/>
+              <a:t> </a:t>
+            </a:r>
+            <a:r>
+              <a:rPr lang="pt-BR" dirty="0" err="1" smtClean="0"/>
+              <a:t>bla</a:t>
+            </a:r>
+            <a:r>
+              <a:rPr lang="pt-BR" dirty="0" smtClean="0"/>
+              <a:t>, vamos ao código?</a:t>
+            </a:r>
+            <a:endParaRPr lang="pt-BR" dirty="0"/>
+          </a:p>
+        </p:txBody>
+      </p:sp>
+      <p:sp>
+        <p:nvSpPr>
+          <p:cNvPr id="3" name="Espaço Reservado para Conteúdo 2"/>
+          <p:cNvSpPr>
+            <a:spLocks noGrp="1"/>
+          </p:cNvSpPr>
+          <p:nvPr>
+            <p:ph idx="1"/>
+          </p:nvPr>
+        </p:nvSpPr>
+        <p:spPr/>
+        <p:txBody>
+          <a:bodyPr/>
+          <a:lstStyle/>
+          <a:p>
+            <a:pPr marL="0" indent="0">
+              <a:buNone/>
+            </a:pPr>
+            <a:r>
+              <a:rPr lang="pt-BR" dirty="0" err="1" smtClean="0"/>
+              <a:t>void</a:t>
+            </a:r>
+            <a:r>
+              <a:rPr lang="pt-BR" dirty="0" smtClean="0"/>
+              <a:t> copia(char *</a:t>
+            </a:r>
+            <a:r>
+              <a:rPr lang="pt-BR" dirty="0" err="1" smtClean="0"/>
+              <a:t>str</a:t>
+            </a:r>
+            <a:r>
+              <a:rPr lang="pt-BR" dirty="0" smtClean="0"/>
+              <a:t>){</a:t>
+            </a:r>
+          </a:p>
+          <a:p>
+            <a:pPr marL="0" indent="0">
+              <a:buNone/>
+            </a:pPr>
+            <a:r>
+              <a:rPr lang="pt-BR" dirty="0"/>
+              <a:t> </a:t>
+            </a:r>
+            <a:r>
+              <a:rPr lang="pt-BR" dirty="0" smtClean="0"/>
+              <a:t>    char buffer[50];</a:t>
+            </a:r>
+          </a:p>
+          <a:p>
+            <a:pPr marL="0" indent="0">
+              <a:buNone/>
+            </a:pPr>
+            <a:r>
+              <a:rPr lang="pt-BR" dirty="0"/>
+              <a:t> </a:t>
+            </a:r>
+            <a:r>
+              <a:rPr lang="pt-BR" dirty="0" smtClean="0"/>
+              <a:t>    </a:t>
+            </a:r>
+            <a:r>
+              <a:rPr lang="pt-BR" dirty="0" err="1" smtClean="0"/>
+              <a:t>strcpy</a:t>
+            </a:r>
+            <a:r>
+              <a:rPr lang="pt-BR" dirty="0" smtClean="0"/>
+              <a:t>(buffer, </a:t>
+            </a:r>
+            <a:r>
+              <a:rPr lang="pt-BR" dirty="0" err="1" smtClean="0"/>
+              <a:t>str</a:t>
+            </a:r>
+            <a:r>
+              <a:rPr lang="pt-BR" dirty="0" smtClean="0"/>
+              <a:t>);</a:t>
+            </a:r>
+          </a:p>
+          <a:p>
+            <a:pPr marL="0" indent="0">
+              <a:buNone/>
+            </a:pPr>
+            <a:r>
+              <a:rPr lang="pt-BR" dirty="0" smtClean="0"/>
+              <a:t>}</a:t>
+            </a:r>
+          </a:p>
+          <a:p>
+            <a:pPr marL="0" indent="0">
+              <a:buNone/>
+            </a:pPr>
+            <a:endParaRPr lang="pt-BR" dirty="0"/>
+          </a:p>
+          <a:p>
+            <a:pPr marL="0" indent="0">
+              <a:buNone/>
+            </a:pPr>
+            <a:r>
+              <a:rPr lang="pt-BR" dirty="0" err="1" smtClean="0"/>
+              <a:t>void</a:t>
+            </a:r>
+            <a:r>
+              <a:rPr lang="pt-BR" dirty="0" smtClean="0"/>
+              <a:t> </a:t>
+            </a:r>
+            <a:r>
+              <a:rPr lang="pt-BR" dirty="0" err="1" smtClean="0"/>
+              <a:t>main</a:t>
+            </a:r>
+            <a:r>
+              <a:rPr lang="pt-BR" dirty="0" smtClean="0"/>
+              <a:t>(</a:t>
+            </a:r>
+            <a:r>
+              <a:rPr lang="pt-BR" dirty="0" err="1" smtClean="0"/>
+              <a:t>int</a:t>
+            </a:r>
+            <a:r>
+              <a:rPr lang="pt-BR" dirty="0" smtClean="0"/>
+              <a:t> </a:t>
+            </a:r>
+            <a:r>
+              <a:rPr lang="pt-BR" dirty="0" err="1" smtClean="0"/>
+              <a:t>argc</a:t>
+            </a:r>
+            <a:r>
+              <a:rPr lang="pt-BR" dirty="0" smtClean="0"/>
+              <a:t>, char *</a:t>
+            </a:r>
+            <a:r>
+              <a:rPr lang="pt-BR" dirty="0" err="1" smtClean="0"/>
+              <a:t>argv</a:t>
+            </a:r>
+            <a:r>
+              <a:rPr lang="pt-BR" dirty="0" smtClean="0"/>
+              <a:t>[]) {</a:t>
+            </a:r>
+          </a:p>
+          <a:p>
+            <a:pPr marL="0" indent="0">
+              <a:buNone/>
+            </a:pPr>
+            <a:r>
+              <a:rPr lang="pt-BR" dirty="0"/>
+              <a:t> </a:t>
+            </a:r>
+            <a:r>
+              <a:rPr lang="pt-BR" dirty="0" smtClean="0"/>
+              <a:t>    copia(</a:t>
+            </a:r>
+            <a:r>
+              <a:rPr lang="pt-BR" dirty="0" err="1" smtClean="0"/>
+              <a:t>argv</a:t>
+            </a:r>
+            <a:r>
+              <a:rPr lang="pt-BR" dirty="0" smtClean="0"/>
+              <a:t>[1]);</a:t>
+            </a:r>
+          </a:p>
+          <a:p>
+            <a:pPr marL="0" indent="0">
+              <a:buNone/>
+            </a:pPr>
+            <a:r>
+              <a:rPr lang="pt-BR" dirty="0"/>
+              <a:t> </a:t>
+            </a:r>
+            <a:r>
+              <a:rPr lang="pt-BR" dirty="0" smtClean="0"/>
+              <a:t>    </a:t>
+            </a:r>
+            <a:r>
+              <a:rPr lang="pt-BR" dirty="0" err="1" smtClean="0"/>
+              <a:t>printf</a:t>
+            </a:r>
+            <a:r>
+              <a:rPr lang="pt-BR" dirty="0" smtClean="0"/>
+              <a:t>(“%s\n”, “Funcionou!!!”);</a:t>
+            </a:r>
+          </a:p>
+          <a:p>
+            <a:pPr marL="0" indent="0">
+              <a:buNone/>
+            </a:pPr>
+            <a:r>
+              <a:rPr lang="pt-BR" dirty="0"/>
+              <a:t>}</a:t>
+            </a:r>
+          </a:p>
+        </p:txBody>
+      </p:sp>
+    </p:spTree>
+    <p:extLst>
+      <p:ext uri="{BB962C8B-B14F-4D97-AF65-F5344CB8AC3E}">
+        <p14:creationId xmlns:p14="http://schemas.microsoft.com/office/powerpoint/2010/main" val="3278226272"/>
+      </p:ext>
+    </p:extLst>
+  </p:cSld>
+  <p:clrMapOvr>
+    <a:masterClrMapping/>
+  </p:clrMapOvr>
+</p:sld>
+</file>
+
+<file path=ppt/slides/slide6.xml><?xml version="1.0" encoding="utf-8"?>
+<p:sld xmlns:a="http://schemas.openxmlformats.org/drawingml/2006/main" xmlns:r="http://schemas.openxmlformats.org/officeDocument/2006/relationships" xmlns:p="http://schemas.openxmlformats.org/presentationml/2006/main">
+  <p:cSld>
+    <p:spTree>
+      <p:nvGrpSpPr>
+        <p:cNvPr id="1" name=""/>
+        <p:cNvGrpSpPr/>
+        <p:nvPr/>
+      </p:nvGrpSpPr>
+      <p:grpSpPr>
+        <a:xfrm>
+          <a:off x="0" y="0"/>
+          <a:ext cx="0" cy="0"/>
+          <a:chOff x="0" y="0"/>
+          <a:chExt cx="0" cy="0"/>
+        </a:xfrm>
+      </p:grpSpPr>
+      <p:sp>
+        <p:nvSpPr>
+          <p:cNvPr id="2" name="Título 1"/>
+          <p:cNvSpPr>
+            <a:spLocks noGrp="1"/>
+          </p:cNvSpPr>
+          <p:nvPr>
+            <p:ph type="title"/>
+          </p:nvPr>
+        </p:nvSpPr>
+        <p:spPr/>
+        <p:txBody>
+          <a:bodyPr/>
+          <a:lstStyle/>
+          <a:p>
+            <a:r>
+              <a:rPr lang="pt-BR" dirty="0" smtClean="0"/>
+              <a:t>Cadê a P*** do Buffer Overflow?</a:t>
+            </a:r>
+            <a:endParaRPr lang="pt-BR" dirty="0"/>
+          </a:p>
+        </p:txBody>
+      </p:sp>
+      <p:pic>
+        <p:nvPicPr>
+          <p:cNvPr id="4" name="Espaço Reservado para Conteúdo 3"/>
+          <p:cNvPicPr>
+            <a:picLocks noGrp="1" noChangeAspect="1"/>
+          </p:cNvPicPr>
+          <p:nvPr>
+            <p:ph idx="1"/>
+          </p:nvPr>
+        </p:nvPicPr>
+        <p:blipFill>
+          <a:blip r:embed="rId2">
+            <a:extLst>
+              <a:ext uri="{28A0092B-C50C-407E-A947-70E740481C1C}">
+                <a14:useLocalDpi xmlns:a14="http://schemas.microsoft.com/office/drawing/2010/main" val="0"/>
+              </a:ext>
+            </a:extLst>
+          </a:blip>
+          <a:stretch>
+            <a:fillRect/>
+          </a:stretch>
+        </p:blipFill>
+        <p:spPr>
+          <a:xfrm>
+            <a:off x="3479007" y="2052638"/>
+            <a:ext cx="4195762" cy="4195762"/>
+          </a:xfrm>
+        </p:spPr>
+      </p:pic>
+    </p:spTree>
+    <p:extLst>
+      <p:ext uri="{BB962C8B-B14F-4D97-AF65-F5344CB8AC3E}">
+        <p14:creationId xmlns:p14="http://schemas.microsoft.com/office/powerpoint/2010/main" val="1272956234"/>
+      </p:ext>
+    </p:extLst>
+  </p:cSld>
+  <p:clrMapOvr>
+    <a:masterClrMapping/>
+  </p:clrMapOvr>
+</p:sld>
+</file>
+
+<file path=ppt/slides/slide7.xml><?xml version="1.0" encoding="utf-8"?>
+<p:sld xmlns:a="http://schemas.openxmlformats.org/drawingml/2006/main" xmlns:r="http://schemas.openxmlformats.org/officeDocument/2006/relationships" xmlns:p="http://schemas.openxmlformats.org/presentationml/2006/main">
+  <p:cSld>
+    <p:spTree>
+      <p:nvGrpSpPr>
+        <p:cNvPr id="1" name=""/>
+        <p:cNvGrpSpPr/>
+        <p:nvPr/>
+      </p:nvGrpSpPr>
+      <p:grpSpPr>
+        <a:xfrm>
+          <a:off x="0" y="0"/>
+          <a:ext cx="0" cy="0"/>
+          <a:chOff x="0" y="0"/>
+          <a:chExt cx="0" cy="0"/>
+        </a:xfrm>
+      </p:grpSpPr>
+      <p:sp>
+        <p:nvSpPr>
+          <p:cNvPr id="2" name="Título 1"/>
+          <p:cNvSpPr>
+            <a:spLocks noGrp="1"/>
+          </p:cNvSpPr>
+          <p:nvPr>
+            <p:ph type="title"/>
+          </p:nvPr>
+        </p:nvSpPr>
+        <p:spPr/>
+        <p:txBody>
+          <a:bodyPr/>
+          <a:lstStyle/>
+          <a:p>
+            <a:r>
+              <a:rPr lang="pt-BR" dirty="0" smtClean="0"/>
+              <a:t>Passo a passo</a:t>
+            </a:r>
+            <a:endParaRPr lang="pt-BR" dirty="0"/>
+          </a:p>
+        </p:txBody>
+      </p:sp>
+      <p:sp>
+        <p:nvSpPr>
+          <p:cNvPr id="3" name="Espaço Reservado para Conteúdo 2"/>
+          <p:cNvSpPr>
+            <a:spLocks noGrp="1"/>
+          </p:cNvSpPr>
+          <p:nvPr>
+            <p:ph idx="1"/>
+          </p:nvPr>
+        </p:nvSpPr>
+        <p:spPr/>
+        <p:txBody>
+          <a:bodyPr/>
+          <a:lstStyle/>
+          <a:p>
+            <a:r>
+              <a:rPr lang="pt-BR" dirty="0" err="1" smtClean="0"/>
+              <a:t>Fuzzing</a:t>
+            </a:r>
+            <a:endParaRPr lang="pt-BR" dirty="0"/>
+          </a:p>
+          <a:p>
+            <a:pPr lvl="1"/>
+            <a:r>
+              <a:rPr lang="pt-BR" dirty="0" smtClean="0"/>
+              <a:t>Processo de identificação da vulnerabilidade e do tamanho do buffer</a:t>
+            </a:r>
+          </a:p>
+          <a:p>
+            <a:r>
+              <a:rPr lang="pt-BR" dirty="0" smtClean="0"/>
+              <a:t>Identificação da posição do EIP </a:t>
+            </a:r>
+          </a:p>
+          <a:p>
+            <a:pPr lvl="1"/>
+            <a:r>
+              <a:rPr lang="pt-BR" dirty="0" smtClean="0"/>
+              <a:t>(</a:t>
+            </a:r>
+            <a:r>
+              <a:rPr lang="pt-BR" dirty="0" err="1" smtClean="0"/>
+              <a:t>Extented</a:t>
+            </a:r>
+            <a:r>
+              <a:rPr lang="pt-BR" dirty="0" smtClean="0"/>
+              <a:t> </a:t>
+            </a:r>
+            <a:r>
+              <a:rPr lang="pt-BR" dirty="0" err="1" smtClean="0"/>
+              <a:t>Instruction</a:t>
+            </a:r>
+            <a:r>
+              <a:rPr lang="pt-BR" dirty="0" smtClean="0"/>
+              <a:t> Pointer)</a:t>
+            </a:r>
+          </a:p>
+          <a:p>
+            <a:r>
+              <a:rPr lang="pt-BR" dirty="0" smtClean="0"/>
+              <a:t>Identificação da posição e tamanho do ESP </a:t>
+            </a:r>
+          </a:p>
+          <a:p>
+            <a:pPr lvl="1"/>
+            <a:r>
+              <a:rPr lang="pt-BR" dirty="0" smtClean="0"/>
+              <a:t>(</a:t>
+            </a:r>
+            <a:r>
+              <a:rPr lang="pt-BR" dirty="0" err="1" smtClean="0"/>
+              <a:t>Extended</a:t>
+            </a:r>
+            <a:r>
+              <a:rPr lang="pt-BR" dirty="0" smtClean="0"/>
+              <a:t> </a:t>
+            </a:r>
+            <a:r>
+              <a:rPr lang="pt-BR" dirty="0" err="1"/>
+              <a:t>S</a:t>
+            </a:r>
+            <a:r>
+              <a:rPr lang="pt-BR" dirty="0" err="1" smtClean="0"/>
+              <a:t>tack</a:t>
+            </a:r>
+            <a:r>
+              <a:rPr lang="pt-BR" dirty="0" smtClean="0"/>
+              <a:t> Pointer)</a:t>
+            </a:r>
+          </a:p>
+          <a:p>
+            <a:r>
+              <a:rPr lang="pt-BR" dirty="0" smtClean="0"/>
+              <a:t>Localização de instrução de encaminhamento para ESP</a:t>
+            </a:r>
+          </a:p>
+          <a:p>
+            <a:pPr lvl="1"/>
+            <a:r>
+              <a:rPr lang="pt-BR" dirty="0" smtClean="0"/>
+              <a:t>JMP ESP</a:t>
+            </a:r>
+          </a:p>
+          <a:p>
+            <a:pPr lvl="1"/>
+            <a:r>
+              <a:rPr lang="pt-BR" dirty="0" smtClean="0"/>
+              <a:t>CALL ESP</a:t>
+            </a:r>
+          </a:p>
+          <a:p>
+            <a:pPr lvl="1"/>
+            <a:r>
+              <a:rPr lang="pt-BR" dirty="0" smtClean="0"/>
+              <a:t>...</a:t>
+            </a:r>
+            <a:endParaRPr lang="pt-BR" dirty="0"/>
+          </a:p>
+        </p:txBody>
+      </p:sp>
+    </p:spTree>
+    <p:extLst>
+      <p:ext uri="{BB962C8B-B14F-4D97-AF65-F5344CB8AC3E}">
+        <p14:creationId xmlns:p14="http://schemas.microsoft.com/office/powerpoint/2010/main" val="465777134"/>
+      </p:ext>
+    </p:extLst>
+  </p:cSld>
+  <p:clrMapOvr>
+    <a:masterClrMapping/>
+  </p:clrMapOvr>
+</p:sld>
+</file>
+
+<file path=ppt/slides/slide8.xml><?xml version="1.0" encoding="utf-8"?>
+<p:sld xmlns:a="http://schemas.openxmlformats.org/drawingml/2006/main" xmlns:r="http://schemas.openxmlformats.org/officeDocument/2006/relationships" xmlns:p="http://schemas.openxmlformats.org/presentationml/2006/main">
+  <p:cSld>
+    <p:spTree>
+      <p:nvGrpSpPr>
+        <p:cNvPr id="1" name=""/>
+        <p:cNvGrpSpPr/>
+        <p:nvPr/>
+      </p:nvGrpSpPr>
+      <p:grpSpPr>
+        <a:xfrm>
+          <a:off x="0" y="0"/>
+          <a:ext cx="0" cy="0"/>
+          <a:chOff x="0" y="0"/>
+          <a:chExt cx="0" cy="0"/>
+        </a:xfrm>
+      </p:grpSpPr>
+      <p:sp>
+        <p:nvSpPr>
+          <p:cNvPr id="2" name="Título 1"/>
+          <p:cNvSpPr>
+            <a:spLocks noGrp="1"/>
+          </p:cNvSpPr>
+          <p:nvPr>
+            <p:ph type="title"/>
+          </p:nvPr>
+        </p:nvSpPr>
+        <p:spPr/>
+        <p:txBody>
+          <a:bodyPr/>
+          <a:lstStyle/>
+          <a:p>
+            <a:r>
+              <a:rPr lang="pt-BR" dirty="0" smtClean="0"/>
+              <a:t>Fontes</a:t>
+            </a:r>
+            <a:endParaRPr lang="pt-BR" dirty="0"/>
+          </a:p>
+        </p:txBody>
+      </p:sp>
+      <p:sp>
+        <p:nvSpPr>
+          <p:cNvPr id="3" name="Espaço Reservado para Conteúdo 2"/>
+          <p:cNvSpPr>
+            <a:spLocks noGrp="1"/>
+          </p:cNvSpPr>
+          <p:nvPr>
+            <p:ph idx="1"/>
+          </p:nvPr>
+        </p:nvSpPr>
+        <p:spPr/>
+        <p:txBody>
+          <a:bodyPr/>
+          <a:lstStyle/>
+          <a:p>
+            <a:r>
+              <a:rPr lang="pt-BR" dirty="0">
+                <a:hlinkClick r:id="rId2"/>
+              </a:rPr>
+              <a:t>https://</a:t>
+            </a:r>
+            <a:r>
+              <a:rPr lang="pt-BR" dirty="0" smtClean="0">
+                <a:hlinkClick r:id="rId2"/>
+              </a:rPr>
+              <a:t>www.sans.org/reading-room/whitepapers/threats/buffer-overflows-dummies-481</a:t>
+            </a:r>
+            <a:endParaRPr lang="pt-BR" dirty="0" smtClean="0"/>
+          </a:p>
+          <a:p>
+            <a:r>
+              <a:rPr lang="pt-BR" dirty="0">
+                <a:hlinkClick r:id="rId3"/>
+              </a:rPr>
+              <a:t>https://www.exploit-db.com/papers/13171</a:t>
+            </a:r>
+            <a:r>
+              <a:rPr lang="pt-BR" dirty="0" smtClean="0">
+                <a:hlinkClick r:id="rId3"/>
+              </a:rPr>
+              <a:t>/</a:t>
+            </a:r>
+            <a:endParaRPr lang="pt-BR" dirty="0" smtClean="0"/>
+          </a:p>
+          <a:p>
+            <a:r>
+              <a:rPr lang="pt-BR" dirty="0" smtClean="0"/>
+              <a:t>Livro</a:t>
+            </a:r>
+            <a:r>
+              <a:rPr lang="pt-BR" dirty="0"/>
+              <a:t>: Testes de Invasão de </a:t>
+            </a:r>
+            <a:r>
+              <a:rPr lang="pt-BR" dirty="0" err="1"/>
+              <a:t>Georgia</a:t>
+            </a:r>
+            <a:r>
+              <a:rPr lang="pt-BR" dirty="0"/>
+              <a:t> </a:t>
+            </a:r>
+            <a:r>
+              <a:rPr lang="pt-BR" dirty="0" err="1" smtClean="0"/>
+              <a:t>Weidman</a:t>
+            </a:r>
+            <a:endParaRPr lang="pt-BR" dirty="0" smtClean="0"/>
+          </a:p>
+          <a:p>
+            <a:pPr lvl="1"/>
+            <a:r>
+              <a:rPr lang="pt-BR" dirty="0" smtClean="0">
+                <a:hlinkClick r:id="rId4"/>
+              </a:rPr>
+              <a:t>https</a:t>
+            </a:r>
+            <a:r>
+              <a:rPr lang="pt-BR" dirty="0">
+                <a:hlinkClick r:id="rId4"/>
+              </a:rPr>
+              <a:t>://</a:t>
+            </a:r>
+            <a:r>
+              <a:rPr lang="pt-BR" dirty="0" smtClean="0">
+                <a:hlinkClick r:id="rId4"/>
+              </a:rPr>
+              <a:t>www.amazon.com.br/Testes-Invas%C3%A3o-Georgia-Weidman/dp/8575224077?tag=goog0ef-20&amp;smid=A1ZZFT5FULY4LN&amp;ascsubtag=ba6f2d86-e814-44b4-a599-db6604a957a3</a:t>
+            </a:r>
+            <a:endParaRPr lang="pt-BR" dirty="0" smtClean="0"/>
+          </a:p>
+          <a:p>
+            <a:endParaRPr lang="pt-BR" dirty="0"/>
+          </a:p>
+        </p:txBody>
+      </p:sp>
+    </p:spTree>
+    <p:extLst>
+      <p:ext uri="{BB962C8B-B14F-4D97-AF65-F5344CB8AC3E}">
+        <p14:creationId xmlns:p14="http://schemas.microsoft.com/office/powerpoint/2010/main" val="32974597"/>
+      </p:ext>
+    </p:extLst>
+  </p:cSld>
+  <p:clrMapOvr>
+    <a:masterClrMapping/>
+  </p:clrMapOvr>
+</p:sld>
+</file>
+
 <file path=ppt/theme/theme1.xml><?xml version="1.0" encoding="utf-8"?>
 <a:theme xmlns:a="http://schemas.openxmlformats.org/drawingml/2006/main" name="Íon">
   <a:themeElements>
